--- a/Презентация ТЗ/Мобильное приложение.pptx
+++ b/Презентация ТЗ/Мобильное приложение.pptx
@@ -268,7 +268,7 @@
           <a:p>
             <a:fld id="{BD7C2646-05E5-4AB1-8C30-3AB7495F6D61}" type="datetimeFigureOut">
               <a:rPr lang="ru-RU" smtClean="0"/>
-              <a:t>13.03.2024</a:t>
+              <a:t>17.03.2024</a:t>
             </a:fld>
             <a:endParaRPr lang="ru-RU"/>
           </a:p>
@@ -466,7 +466,7 @@
           <a:p>
             <a:fld id="{BD7C2646-05E5-4AB1-8C30-3AB7495F6D61}" type="datetimeFigureOut">
               <a:rPr lang="ru-RU" smtClean="0"/>
-              <a:t>13.03.2024</a:t>
+              <a:t>17.03.2024</a:t>
             </a:fld>
             <a:endParaRPr lang="ru-RU"/>
           </a:p>
@@ -674,7 +674,7 @@
           <a:p>
             <a:fld id="{BD7C2646-05E5-4AB1-8C30-3AB7495F6D61}" type="datetimeFigureOut">
               <a:rPr lang="ru-RU" smtClean="0"/>
-              <a:t>13.03.2024</a:t>
+              <a:t>17.03.2024</a:t>
             </a:fld>
             <a:endParaRPr lang="ru-RU"/>
           </a:p>
@@ -872,7 +872,7 @@
           <a:p>
             <a:fld id="{BD7C2646-05E5-4AB1-8C30-3AB7495F6D61}" type="datetimeFigureOut">
               <a:rPr lang="ru-RU" smtClean="0"/>
-              <a:t>13.03.2024</a:t>
+              <a:t>17.03.2024</a:t>
             </a:fld>
             <a:endParaRPr lang="ru-RU"/>
           </a:p>
@@ -1147,7 +1147,7 @@
           <a:p>
             <a:fld id="{BD7C2646-05E5-4AB1-8C30-3AB7495F6D61}" type="datetimeFigureOut">
               <a:rPr lang="ru-RU" smtClean="0"/>
-              <a:t>13.03.2024</a:t>
+              <a:t>17.03.2024</a:t>
             </a:fld>
             <a:endParaRPr lang="ru-RU"/>
           </a:p>
@@ -1412,7 +1412,7 @@
           <a:p>
             <a:fld id="{BD7C2646-05E5-4AB1-8C30-3AB7495F6D61}" type="datetimeFigureOut">
               <a:rPr lang="ru-RU" smtClean="0"/>
-              <a:t>13.03.2024</a:t>
+              <a:t>17.03.2024</a:t>
             </a:fld>
             <a:endParaRPr lang="ru-RU"/>
           </a:p>
@@ -1824,7 +1824,7 @@
           <a:p>
             <a:fld id="{BD7C2646-05E5-4AB1-8C30-3AB7495F6D61}" type="datetimeFigureOut">
               <a:rPr lang="ru-RU" smtClean="0"/>
-              <a:t>13.03.2024</a:t>
+              <a:t>17.03.2024</a:t>
             </a:fld>
             <a:endParaRPr lang="ru-RU"/>
           </a:p>
@@ -1965,7 +1965,7 @@
           <a:p>
             <a:fld id="{BD7C2646-05E5-4AB1-8C30-3AB7495F6D61}" type="datetimeFigureOut">
               <a:rPr lang="ru-RU" smtClean="0"/>
-              <a:t>13.03.2024</a:t>
+              <a:t>17.03.2024</a:t>
             </a:fld>
             <a:endParaRPr lang="ru-RU"/>
           </a:p>
@@ -2078,7 +2078,7 @@
           <a:p>
             <a:fld id="{BD7C2646-05E5-4AB1-8C30-3AB7495F6D61}" type="datetimeFigureOut">
               <a:rPr lang="ru-RU" smtClean="0"/>
-              <a:t>13.03.2024</a:t>
+              <a:t>17.03.2024</a:t>
             </a:fld>
             <a:endParaRPr lang="ru-RU"/>
           </a:p>
@@ -2389,7 +2389,7 @@
           <a:p>
             <a:fld id="{BD7C2646-05E5-4AB1-8C30-3AB7495F6D61}" type="datetimeFigureOut">
               <a:rPr lang="ru-RU" smtClean="0"/>
-              <a:t>13.03.2024</a:t>
+              <a:t>17.03.2024</a:t>
             </a:fld>
             <a:endParaRPr lang="ru-RU"/>
           </a:p>
@@ -2677,7 +2677,7 @@
           <a:p>
             <a:fld id="{BD7C2646-05E5-4AB1-8C30-3AB7495F6D61}" type="datetimeFigureOut">
               <a:rPr lang="ru-RU" smtClean="0"/>
-              <a:t>13.03.2024</a:t>
+              <a:t>17.03.2024</a:t>
             </a:fld>
             <a:endParaRPr lang="ru-RU"/>
           </a:p>
@@ -2923,7 +2923,7 @@
           <a:p>
             <a:fld id="{BD7C2646-05E5-4AB1-8C30-3AB7495F6D61}" type="datetimeFigureOut">
               <a:rPr lang="ru-RU" smtClean="0"/>
-              <a:t>13.03.2024</a:t>
+              <a:t>17.03.2024</a:t>
             </a:fld>
             <a:endParaRPr lang="ru-RU"/>
           </a:p>
@@ -3821,7 +3821,7 @@
                 <a:latin typeface="Helvetica" panose="020B0604020202020204" pitchFamily="34" charset="0"/>
                 <a:cs typeface="Helvetica" panose="020B0604020202020204" pitchFamily="34" charset="0"/>
               </a:rPr>
-              <a:t>YamYard</a:t>
+              <a:t>YumYard</a:t>
             </a:r>
             <a:r>
               <a:rPr lang="ru-RU" dirty="0">
@@ -4386,10 +4386,10 @@
       </p:sp>
       <p:pic>
         <p:nvPicPr>
-          <p:cNvPr id="7" name="Рисунок 6">
-            <a:extLst>
-              <a:ext uri="{FF2B5EF4-FFF2-40B4-BE49-F238E27FC236}">
-                <a16:creationId xmlns:a16="http://schemas.microsoft.com/office/drawing/2014/main" id="{CEA908A6-172A-9B24-4730-BC76B9B2CDAF}"/>
+          <p:cNvPr id="8" name="Рисунок 7">
+            <a:extLst>
+              <a:ext uri="{FF2B5EF4-FFF2-40B4-BE49-F238E27FC236}">
+                <a16:creationId xmlns:a16="http://schemas.microsoft.com/office/drawing/2014/main" id="{8E21F201-8767-EBCB-4D9D-727A78E78378}"/>
               </a:ext>
             </a:extLst>
           </p:cNvPr>
@@ -4412,23 +4412,36 @@
         </p:blipFill>
         <p:spPr>
           <a:xfrm>
-            <a:off x="1212531" y="3799363"/>
-            <a:ext cx="2621499" cy="2621499"/>
+            <a:off x="882496" y="3790349"/>
+            <a:ext cx="2737169" cy="2737169"/>
           </a:xfrm>
           <a:prstGeom prst="roundRect">
             <a:avLst>
-              <a:gd name="adj" fmla="val 8594"/>
+              <a:gd name="adj" fmla="val 16667"/>
             </a:avLst>
           </a:prstGeom>
-          <a:solidFill>
-            <a:srgbClr val="FFFFFF">
-              <a:shade val="85000"/>
-            </a:srgbClr>
-          </a:solidFill>
           <a:ln>
             <a:noFill/>
           </a:ln>
-          <a:effectLst/>
+          <a:effectLst>
+            <a:outerShdw blurRad="76200" dist="38100" dir="7800000" algn="tl" rotWithShape="0">
+              <a:srgbClr val="000000">
+                <a:alpha val="40000"/>
+              </a:srgbClr>
+            </a:outerShdw>
+          </a:effectLst>
+          <a:scene3d>
+            <a:camera prst="orthographicFront"/>
+            <a:lightRig rig="contrasting" dir="t">
+              <a:rot lat="0" lon="0" rev="4200000"/>
+            </a:lightRig>
+          </a:scene3d>
+          <a:sp3d prstMaterial="plastic">
+            <a:bevelT w="381000" h="114300" prst="relaxedInset"/>
+            <a:contourClr>
+              <a:srgbClr val="969696"/>
+            </a:contourClr>
+          </a:sp3d>
         </p:spPr>
       </p:pic>
     </p:spTree>
@@ -4942,7 +4955,7 @@
                 <a:latin typeface="Helvetica" panose="020B0604020202020204" pitchFamily="34" charset="0"/>
                 <a:cs typeface="Helvetica" panose="020B0604020202020204" pitchFamily="34" charset="0"/>
               </a:rPr>
-              <a:t>YamYard</a:t>
+              <a:t>YumYard</a:t>
             </a:r>
             <a:r>
               <a:rPr lang="ru-RU" dirty="0">
@@ -5554,10 +5567,10 @@
       </p:sp>
       <p:pic>
         <p:nvPicPr>
-          <p:cNvPr id="8" name="Рисунок 7">
-            <a:extLst>
-              <a:ext uri="{FF2B5EF4-FFF2-40B4-BE49-F238E27FC236}">
-                <a16:creationId xmlns:a16="http://schemas.microsoft.com/office/drawing/2014/main" id="{527624FC-A0B8-5362-9452-43C629DB8D65}"/>
+          <p:cNvPr id="7" name="Рисунок 6">
+            <a:extLst>
+              <a:ext uri="{FF2B5EF4-FFF2-40B4-BE49-F238E27FC236}">
+                <a16:creationId xmlns:a16="http://schemas.microsoft.com/office/drawing/2014/main" id="{8B445FF0-8170-F7A2-30AD-F9A665B30F5E}"/>
               </a:ext>
             </a:extLst>
           </p:cNvPr>
@@ -5580,8 +5593,8 @@
         </p:blipFill>
         <p:spPr>
           <a:xfrm>
-            <a:off x="8153636" y="3765890"/>
-            <a:ext cx="2598987" cy="2598987"/>
+            <a:off x="7982403" y="3974583"/>
+            <a:ext cx="2445367" cy="2445367"/>
           </a:xfrm>
           <a:prstGeom prst="rect">
             <a:avLst/>
@@ -7367,7 +7380,7 @@
               <a:rPr lang="en-US" sz="3200" dirty="0" err="1">
                 <a:latin typeface="Garamond" panose="02020404030301010803" pitchFamily="18" charset="0"/>
               </a:rPr>
-              <a:t>YamYard</a:t>
+              <a:t>YumYard</a:t>
             </a:r>
             <a:r>
               <a:rPr lang="en-US" sz="3200" dirty="0">
@@ -9018,8 +9031,8 @@
         </p:nvSpPr>
         <p:spPr>
           <a:xfrm>
-            <a:off x="3229577" y="2247917"/>
-            <a:ext cx="7963142" cy="3046988"/>
+            <a:off x="2226547" y="2247916"/>
+            <a:ext cx="8201130" cy="3046988"/>
           </a:xfrm>
           <a:prstGeom prst="rect">
             <a:avLst/>
@@ -9097,7 +9110,7 @@
               <a:rPr lang="en-US" sz="3200" dirty="0">
                 <a:latin typeface="Garamond" panose="02020404030301010803" pitchFamily="18" charset="0"/>
               </a:rPr>
-              <a:t>SQLite</a:t>
+              <a:t>SQLite, PostgreSQL</a:t>
             </a:r>
           </a:p>
           <a:p>
